--- a/ppt/UL.pptx
+++ b/ppt/UL.pptx
@@ -21,33 +21,36 @@
     <p:sldId id="266" r:id="rId16"/>
     <p:sldId id="267" r:id="rId17"/>
     <p:sldId id="268" r:id="rId18"/>
+    <p:sldId id="269" r:id="rId19"/>
+    <p:sldId id="270" r:id="rId20"/>
+    <p:sldId id="271" r:id="rId21"/>
   </p:sldIdLst>
   <p:sldSz cy="6858000" cx="12192000"/>
   <p:notesSz cx="6858000" cy="9144000"/>
   <p:embeddedFontLst>
     <p:embeddedFont>
       <p:font typeface="Libre Franklin Light"/>
-      <p:regular r:id="rId19"/>
-      <p:bold r:id="rId20"/>
-      <p:italic r:id="rId21"/>
-      <p:boldItalic r:id="rId22"/>
+      <p:regular r:id="rId22"/>
+      <p:bold r:id="rId23"/>
+      <p:italic r:id="rId24"/>
+      <p:boldItalic r:id="rId25"/>
     </p:embeddedFont>
     <p:embeddedFont>
       <p:font typeface="Domine SemiBold"/>
-      <p:regular r:id="rId23"/>
-      <p:bold r:id="rId24"/>
+      <p:regular r:id="rId26"/>
+      <p:bold r:id="rId27"/>
     </p:embeddedFont>
     <p:embeddedFont>
       <p:font typeface="Lato"/>
-      <p:regular r:id="rId25"/>
-      <p:bold r:id="rId26"/>
-      <p:italic r:id="rId27"/>
-      <p:boldItalic r:id="rId28"/>
+      <p:regular r:id="rId28"/>
+      <p:bold r:id="rId29"/>
+      <p:italic r:id="rId30"/>
+      <p:boldItalic r:id="rId31"/>
     </p:embeddedFont>
     <p:embeddedFont>
       <p:font typeface="Domine"/>
-      <p:regular r:id="rId29"/>
-      <p:bold r:id="rId30"/>
+      <p:regular r:id="rId32"/>
+      <p:bold r:id="rId33"/>
     </p:embeddedFont>
   </p:embeddedFontLst>
   <p:defaultTextStyle>
@@ -842,7 +845,7 @@
       </p:grpSpPr>
       <p:sp>
         <p:nvSpPr>
-          <p:cNvPr id="228" name="Google Shape;228;p10:notes"/>
+          <p:cNvPr id="228" name="Google Shape;228;g3c7f7f1e72c_0_15:notes"/>
           <p:cNvSpPr txBox="1"/>
           <p:nvPr>
             <p:ph idx="1" type="body"/>
@@ -881,7 +884,7 @@
       </p:sp>
       <p:sp>
         <p:nvSpPr>
-          <p:cNvPr id="229" name="Google Shape;229;p10:notes"/>
+          <p:cNvPr id="229" name="Google Shape;229;g3c7f7f1e72c_0_15:notes"/>
           <p:cNvSpPr/>
           <p:nvPr>
             <p:ph idx="2" type="sldImg"/>
@@ -890,7 +893,7 @@
         <p:spPr>
           <a:xfrm>
             <a:off x="1143225" y="685800"/>
-            <a:ext cx="4572225" cy="3429000"/>
+            <a:ext cx="4572300" cy="3429000"/>
           </a:xfrm>
           <a:custGeom>
             <a:rect b="b" l="l" r="r" t="t"/>
@@ -927,7 +930,7 @@
   <p:cSld>
     <p:spTree>
       <p:nvGrpSpPr>
-        <p:cNvPr id="237" name="Shape 237"/>
+        <p:cNvPr id="236" name="Shape 236"/>
         <p:cNvGrpSpPr/>
         <p:nvPr/>
       </p:nvGrpSpPr>
@@ -941,7 +944,7 @@
       </p:grpSpPr>
       <p:sp>
         <p:nvSpPr>
-          <p:cNvPr id="238" name="Google Shape;238;p11:notes"/>
+          <p:cNvPr id="237" name="Google Shape;237;g3c7f7f1e72c_0_36:notes"/>
           <p:cNvSpPr txBox="1"/>
           <p:nvPr>
             <p:ph idx="1" type="body"/>
@@ -980,7 +983,7 @@
       </p:sp>
       <p:sp>
         <p:nvSpPr>
-          <p:cNvPr id="239" name="Google Shape;239;p11:notes"/>
+          <p:cNvPr id="238" name="Google Shape;238;g3c7f7f1e72c_0_36:notes"/>
           <p:cNvSpPr/>
           <p:nvPr>
             <p:ph idx="2" type="sldImg"/>
@@ -989,7 +992,7 @@
         <p:spPr>
           <a:xfrm>
             <a:off x="1143225" y="685800"/>
-            <a:ext cx="4572225" cy="3429000"/>
+            <a:ext cx="4572300" cy="3429000"/>
           </a:xfrm>
           <a:custGeom>
             <a:rect b="b" l="l" r="r" t="t"/>
@@ -1026,7 +1029,7 @@
   <p:cSld>
     <p:spTree>
       <p:nvGrpSpPr>
-        <p:cNvPr id="250" name="Shape 250"/>
+        <p:cNvPr id="243" name="Shape 243"/>
         <p:cNvGrpSpPr/>
         <p:nvPr/>
       </p:nvGrpSpPr>
@@ -1040,7 +1043,7 @@
       </p:grpSpPr>
       <p:sp>
         <p:nvSpPr>
-          <p:cNvPr id="251" name="Google Shape;251;p12:notes"/>
+          <p:cNvPr id="244" name="Google Shape;244;g3c7f7f1e72c_0_49:notes"/>
           <p:cNvSpPr txBox="1"/>
           <p:nvPr>
             <p:ph idx="1" type="body"/>
@@ -1079,7 +1082,7 @@
       </p:sp>
       <p:sp>
         <p:nvSpPr>
-          <p:cNvPr id="252" name="Google Shape;252;p12:notes"/>
+          <p:cNvPr id="245" name="Google Shape;245;g3c7f7f1e72c_0_49:notes"/>
           <p:cNvSpPr/>
           <p:nvPr>
             <p:ph idx="2" type="sldImg"/>
@@ -1088,7 +1091,7 @@
         <p:spPr>
           <a:xfrm>
             <a:off x="1143225" y="685800"/>
-            <a:ext cx="4572225" cy="3429000"/>
+            <a:ext cx="4572300" cy="3429000"/>
           </a:xfrm>
           <a:custGeom>
             <a:rect b="b" l="l" r="r" t="t"/>
@@ -1125,7 +1128,7 @@
   <p:cSld>
     <p:spTree>
       <p:nvGrpSpPr>
-        <p:cNvPr id="263" name="Shape 263"/>
+        <p:cNvPr id="250" name="Shape 250"/>
         <p:cNvGrpSpPr/>
         <p:nvPr/>
       </p:nvGrpSpPr>
@@ -1139,7 +1142,7 @@
       </p:grpSpPr>
       <p:sp>
         <p:nvSpPr>
-          <p:cNvPr id="264" name="Google Shape;264;p13:notes"/>
+          <p:cNvPr id="251" name="Google Shape;251;p10:notes"/>
           <p:cNvSpPr txBox="1"/>
           <p:nvPr>
             <p:ph idx="1" type="body"/>
@@ -1178,7 +1181,304 @@
       </p:sp>
       <p:sp>
         <p:nvSpPr>
-          <p:cNvPr id="265" name="Google Shape;265;p13:notes"/>
+          <p:cNvPr id="252" name="Google Shape;252;p10:notes"/>
+          <p:cNvSpPr/>
+          <p:nvPr>
+            <p:ph idx="2" type="sldImg"/>
+          </p:nvPr>
+        </p:nvSpPr>
+        <p:spPr>
+          <a:xfrm>
+            <a:off x="1143225" y="685800"/>
+            <a:ext cx="4572225" cy="3429000"/>
+          </a:xfrm>
+          <a:custGeom>
+            <a:rect b="b" l="l" r="r" t="t"/>
+            <a:pathLst>
+              <a:path extrusionOk="0" h="120000" w="120000">
+                <a:moveTo>
+                  <a:pt x="0" y="0"/>
+                </a:moveTo>
+                <a:lnTo>
+                  <a:pt x="120000" y="0"/>
+                </a:lnTo>
+                <a:lnTo>
+                  <a:pt x="120000" y="120000"/>
+                </a:lnTo>
+                <a:lnTo>
+                  <a:pt x="0" y="120000"/>
+                </a:lnTo>
+                <a:close/>
+              </a:path>
+            </a:pathLst>
+          </a:custGeom>
+        </p:spPr>
+      </p:sp>
+    </p:spTree>
+  </p:cSld>
+  <p:clrMapOvr>
+    <a:masterClrMapping/>
+  </p:clrMapOvr>
+</p:notes>
+</file>
+
+<file path=ppt/notesSlides/notesSlide14.xml><?xml version="1.0" encoding="utf-8"?>
+<p:notes xmlns:a="http://schemas.openxmlformats.org/drawingml/2006/main" xmlns:r="http://schemas.openxmlformats.org/officeDocument/2006/relationships" xmlns:mc="http://schemas.openxmlformats.org/markup-compatibility/2006" xmlns:mv="urn:schemas-microsoft-com:mac:vml" xmlns:p="http://schemas.openxmlformats.org/presentationml/2006/main" xmlns:c="http://schemas.openxmlformats.org/drawingml/2006/chart" xmlns:dgm="http://schemas.openxmlformats.org/drawingml/2006/diagram" xmlns:o="urn:schemas-microsoft-com:office:office" xmlns:v="urn:schemas-microsoft-com:vml" xmlns:pvml="urn:schemas-microsoft-com:office:powerpoint" xmlns:com="http://schemas.openxmlformats.org/drawingml/2006/compatibility" xmlns:p14="http://schemas.microsoft.com/office/powerpoint/2010/main" xmlns:p15="http://schemas.microsoft.com/office/powerpoint/2012/main" xmlns:ahyp="http://schemas.microsoft.com/office/drawing/2018/hyperlinkcolor" showMasterPhAnim="0" showMasterSp="0">
+  <p:cSld>
+    <p:spTree>
+      <p:nvGrpSpPr>
+        <p:cNvPr id="260" name="Shape 260"/>
+        <p:cNvGrpSpPr/>
+        <p:nvPr/>
+      </p:nvGrpSpPr>
+      <p:grpSpPr>
+        <a:xfrm>
+          <a:off x="0" y="0"/>
+          <a:ext cx="0" cy="0"/>
+          <a:chOff x="0" y="0"/>
+          <a:chExt cx="0" cy="0"/>
+        </a:xfrm>
+      </p:grpSpPr>
+      <p:sp>
+        <p:nvSpPr>
+          <p:cNvPr id="261" name="Google Shape;261;p11:notes"/>
+          <p:cNvSpPr txBox="1"/>
+          <p:nvPr>
+            <p:ph idx="1" type="body"/>
+          </p:nvPr>
+        </p:nvSpPr>
+        <p:spPr>
+          <a:xfrm>
+            <a:off x="685800" y="4343400"/>
+            <a:ext cx="5486400" cy="4114800"/>
+          </a:xfrm>
+          <a:prstGeom prst="rect">
+            <a:avLst/>
+          </a:prstGeom>
+        </p:spPr>
+        <p:txBody>
+          <a:bodyPr anchorCtr="0" anchor="t" bIns="91425" lIns="91425" spcFirstLastPara="1" rIns="91425" wrap="square" tIns="91425">
+            <a:noAutofit/>
+          </a:bodyPr>
+          <a:lstStyle/>
+          <a:p>
+            <a:pPr indent="0" lvl="0" marL="0" rtl="0" algn="l">
+              <a:spcBef>
+                <a:spcPts val="0"/>
+              </a:spcBef>
+              <a:spcAft>
+                <a:spcPts val="0"/>
+              </a:spcAft>
+              <a:buNone/>
+            </a:pPr>
+            <a:r>
+              <a:t/>
+            </a:r>
+            <a:endParaRPr/>
+          </a:p>
+        </p:txBody>
+      </p:sp>
+      <p:sp>
+        <p:nvSpPr>
+          <p:cNvPr id="262" name="Google Shape;262;p11:notes"/>
+          <p:cNvSpPr/>
+          <p:nvPr>
+            <p:ph idx="2" type="sldImg"/>
+          </p:nvPr>
+        </p:nvSpPr>
+        <p:spPr>
+          <a:xfrm>
+            <a:off x="1143225" y="685800"/>
+            <a:ext cx="4572225" cy="3429000"/>
+          </a:xfrm>
+          <a:custGeom>
+            <a:rect b="b" l="l" r="r" t="t"/>
+            <a:pathLst>
+              <a:path extrusionOk="0" h="120000" w="120000">
+                <a:moveTo>
+                  <a:pt x="0" y="0"/>
+                </a:moveTo>
+                <a:lnTo>
+                  <a:pt x="120000" y="0"/>
+                </a:lnTo>
+                <a:lnTo>
+                  <a:pt x="120000" y="120000"/>
+                </a:lnTo>
+                <a:lnTo>
+                  <a:pt x="0" y="120000"/>
+                </a:lnTo>
+                <a:close/>
+              </a:path>
+            </a:pathLst>
+          </a:custGeom>
+        </p:spPr>
+      </p:sp>
+    </p:spTree>
+  </p:cSld>
+  <p:clrMapOvr>
+    <a:masterClrMapping/>
+  </p:clrMapOvr>
+</p:notes>
+</file>
+
+<file path=ppt/notesSlides/notesSlide15.xml><?xml version="1.0" encoding="utf-8"?>
+<p:notes xmlns:a="http://schemas.openxmlformats.org/drawingml/2006/main" xmlns:r="http://schemas.openxmlformats.org/officeDocument/2006/relationships" xmlns:mc="http://schemas.openxmlformats.org/markup-compatibility/2006" xmlns:mv="urn:schemas-microsoft-com:mac:vml" xmlns:p="http://schemas.openxmlformats.org/presentationml/2006/main" xmlns:c="http://schemas.openxmlformats.org/drawingml/2006/chart" xmlns:dgm="http://schemas.openxmlformats.org/drawingml/2006/diagram" xmlns:o="urn:schemas-microsoft-com:office:office" xmlns:v="urn:schemas-microsoft-com:vml" xmlns:pvml="urn:schemas-microsoft-com:office:powerpoint" xmlns:com="http://schemas.openxmlformats.org/drawingml/2006/compatibility" xmlns:p14="http://schemas.microsoft.com/office/powerpoint/2010/main" xmlns:p15="http://schemas.microsoft.com/office/powerpoint/2012/main" xmlns:ahyp="http://schemas.microsoft.com/office/drawing/2018/hyperlinkcolor" showMasterPhAnim="0" showMasterSp="0">
+  <p:cSld>
+    <p:spTree>
+      <p:nvGrpSpPr>
+        <p:cNvPr id="273" name="Shape 273"/>
+        <p:cNvGrpSpPr/>
+        <p:nvPr/>
+      </p:nvGrpSpPr>
+      <p:grpSpPr>
+        <a:xfrm>
+          <a:off x="0" y="0"/>
+          <a:ext cx="0" cy="0"/>
+          <a:chOff x="0" y="0"/>
+          <a:chExt cx="0" cy="0"/>
+        </a:xfrm>
+      </p:grpSpPr>
+      <p:sp>
+        <p:nvSpPr>
+          <p:cNvPr id="274" name="Google Shape;274;p12:notes"/>
+          <p:cNvSpPr txBox="1"/>
+          <p:nvPr>
+            <p:ph idx="1" type="body"/>
+          </p:nvPr>
+        </p:nvSpPr>
+        <p:spPr>
+          <a:xfrm>
+            <a:off x="685800" y="4343400"/>
+            <a:ext cx="5486400" cy="4114800"/>
+          </a:xfrm>
+          <a:prstGeom prst="rect">
+            <a:avLst/>
+          </a:prstGeom>
+        </p:spPr>
+        <p:txBody>
+          <a:bodyPr anchorCtr="0" anchor="t" bIns="91425" lIns="91425" spcFirstLastPara="1" rIns="91425" wrap="square" tIns="91425">
+            <a:noAutofit/>
+          </a:bodyPr>
+          <a:lstStyle/>
+          <a:p>
+            <a:pPr indent="0" lvl="0" marL="0" rtl="0" algn="l">
+              <a:spcBef>
+                <a:spcPts val="0"/>
+              </a:spcBef>
+              <a:spcAft>
+                <a:spcPts val="0"/>
+              </a:spcAft>
+              <a:buNone/>
+            </a:pPr>
+            <a:r>
+              <a:t/>
+            </a:r>
+            <a:endParaRPr/>
+          </a:p>
+        </p:txBody>
+      </p:sp>
+      <p:sp>
+        <p:nvSpPr>
+          <p:cNvPr id="275" name="Google Shape;275;p12:notes"/>
+          <p:cNvSpPr/>
+          <p:nvPr>
+            <p:ph idx="2" type="sldImg"/>
+          </p:nvPr>
+        </p:nvSpPr>
+        <p:spPr>
+          <a:xfrm>
+            <a:off x="1143225" y="685800"/>
+            <a:ext cx="4572225" cy="3429000"/>
+          </a:xfrm>
+          <a:custGeom>
+            <a:rect b="b" l="l" r="r" t="t"/>
+            <a:pathLst>
+              <a:path extrusionOk="0" h="120000" w="120000">
+                <a:moveTo>
+                  <a:pt x="0" y="0"/>
+                </a:moveTo>
+                <a:lnTo>
+                  <a:pt x="120000" y="0"/>
+                </a:lnTo>
+                <a:lnTo>
+                  <a:pt x="120000" y="120000"/>
+                </a:lnTo>
+                <a:lnTo>
+                  <a:pt x="0" y="120000"/>
+                </a:lnTo>
+                <a:close/>
+              </a:path>
+            </a:pathLst>
+          </a:custGeom>
+        </p:spPr>
+      </p:sp>
+    </p:spTree>
+  </p:cSld>
+  <p:clrMapOvr>
+    <a:masterClrMapping/>
+  </p:clrMapOvr>
+</p:notes>
+</file>
+
+<file path=ppt/notesSlides/notesSlide16.xml><?xml version="1.0" encoding="utf-8"?>
+<p:notes xmlns:a="http://schemas.openxmlformats.org/drawingml/2006/main" xmlns:r="http://schemas.openxmlformats.org/officeDocument/2006/relationships" xmlns:mc="http://schemas.openxmlformats.org/markup-compatibility/2006" xmlns:mv="urn:schemas-microsoft-com:mac:vml" xmlns:p="http://schemas.openxmlformats.org/presentationml/2006/main" xmlns:c="http://schemas.openxmlformats.org/drawingml/2006/chart" xmlns:dgm="http://schemas.openxmlformats.org/drawingml/2006/diagram" xmlns:o="urn:schemas-microsoft-com:office:office" xmlns:v="urn:schemas-microsoft-com:vml" xmlns:pvml="urn:schemas-microsoft-com:office:powerpoint" xmlns:com="http://schemas.openxmlformats.org/drawingml/2006/compatibility" xmlns:p14="http://schemas.microsoft.com/office/powerpoint/2010/main" xmlns:p15="http://schemas.microsoft.com/office/powerpoint/2012/main" xmlns:ahyp="http://schemas.microsoft.com/office/drawing/2018/hyperlinkcolor" showMasterPhAnim="0" showMasterSp="0">
+  <p:cSld>
+    <p:spTree>
+      <p:nvGrpSpPr>
+        <p:cNvPr id="286" name="Shape 286"/>
+        <p:cNvGrpSpPr/>
+        <p:nvPr/>
+      </p:nvGrpSpPr>
+      <p:grpSpPr>
+        <a:xfrm>
+          <a:off x="0" y="0"/>
+          <a:ext cx="0" cy="0"/>
+          <a:chOff x="0" y="0"/>
+          <a:chExt cx="0" cy="0"/>
+        </a:xfrm>
+      </p:grpSpPr>
+      <p:sp>
+        <p:nvSpPr>
+          <p:cNvPr id="287" name="Google Shape;287;p13:notes"/>
+          <p:cNvSpPr txBox="1"/>
+          <p:nvPr>
+            <p:ph idx="1" type="body"/>
+          </p:nvPr>
+        </p:nvSpPr>
+        <p:spPr>
+          <a:xfrm>
+            <a:off x="685800" y="4343400"/>
+            <a:ext cx="5486400" cy="4114800"/>
+          </a:xfrm>
+          <a:prstGeom prst="rect">
+            <a:avLst/>
+          </a:prstGeom>
+        </p:spPr>
+        <p:txBody>
+          <a:bodyPr anchorCtr="0" anchor="t" bIns="91425" lIns="91425" spcFirstLastPara="1" rIns="91425" wrap="square" tIns="91425">
+            <a:noAutofit/>
+          </a:bodyPr>
+          <a:lstStyle/>
+          <a:p>
+            <a:pPr indent="0" lvl="0" marL="0" rtl="0" algn="l">
+              <a:spcBef>
+                <a:spcPts val="0"/>
+              </a:spcBef>
+              <a:spcAft>
+                <a:spcPts val="0"/>
+              </a:spcAft>
+              <a:buNone/>
+            </a:pPr>
+            <a:r>
+              <a:t/>
+            </a:r>
+            <a:endParaRPr/>
+          </a:p>
+        </p:txBody>
+      </p:sp>
+      <p:sp>
+        <p:nvSpPr>
+          <p:cNvPr id="288" name="Google Shape;288;p13:notes"/>
           <p:cNvSpPr/>
           <p:nvPr>
             <p:ph idx="2" type="sldImg"/>
@@ -11769,142 +12069,9 @@
           </a:ln>
         </p:spPr>
       </p:pic>
-      <p:pic>
-        <p:nvPicPr>
-          <p:cNvPr descr="image.png" id="232" name="Google Shape;232;p22"/>
-          <p:cNvPicPr preferRelativeResize="0"/>
-          <p:nvPr/>
-        </p:nvPicPr>
-        <p:blipFill rotWithShape="1">
-          <a:blip r:embed="rId4">
-            <a:alphaModFix/>
-          </a:blip>
-          <a:srcRect b="0" l="0" r="0" t="0"/>
-          <a:stretch/>
-        </p:blipFill>
-        <p:spPr>
-          <a:xfrm>
-            <a:off x="571500" y="1581150"/>
-            <a:ext cx="11049000" cy="4705350"/>
-          </a:xfrm>
-          <a:prstGeom prst="rect">
-            <a:avLst/>
-          </a:prstGeom>
-          <a:noFill/>
-          <a:ln>
-            <a:noFill/>
-          </a:ln>
-        </p:spPr>
-      </p:pic>
       <p:sp>
         <p:nvSpPr>
-          <p:cNvPr id="233" name="Google Shape;233;p22"/>
-          <p:cNvSpPr txBox="1"/>
-          <p:nvPr/>
-        </p:nvSpPr>
-        <p:spPr>
-          <a:xfrm>
-            <a:off x="571500" y="2357437"/>
-            <a:ext cx="11049000" cy="609600"/>
-          </a:xfrm>
-          <a:prstGeom prst="rect">
-            <a:avLst/>
-          </a:prstGeom>
-          <a:noFill/>
-          <a:ln>
-            <a:noFill/>
-          </a:ln>
-        </p:spPr>
-        <p:txBody>
-          <a:bodyPr anchorCtr="0" anchor="t" bIns="0" lIns="0" spcFirstLastPara="1" rIns="0" wrap="square" tIns="0">
-            <a:spAutoFit/>
-          </a:bodyPr>
-          <a:lstStyle/>
-          <a:p>
-            <a:pPr indent="0" lvl="0" marL="0" marR="0" rtl="0" algn="l">
-              <a:lnSpc>
-                <a:spcPct val="160000"/>
-              </a:lnSpc>
-              <a:spcBef>
-                <a:spcPts val="0"/>
-              </a:spcBef>
-              <a:spcAft>
-                <a:spcPts val="0"/>
-              </a:spcAft>
-              <a:buNone/>
-            </a:pPr>
-            <a:r>
-              <a:rPr b="0" i="0" lang="en-US" sz="1500" u="none" cap="none" strike="noStrike">
-                <a:solidFill>
-                  <a:srgbClr val="334155"/>
-                </a:solidFill>
-                <a:latin typeface="Lato"/>
-                <a:ea typeface="Lato"/>
-                <a:cs typeface="Lato"/>
-                <a:sym typeface="Lato"/>
-              </a:rPr>
-              <a:t>With identical funding ($341,768/yr for 10 years), Universal Life meets the target. Whole Life falls significantly short due to structural inefficiency.</a:t>
-            </a:r>
-            <a:endParaRPr/>
-          </a:p>
-        </p:txBody>
-      </p:sp>
-      <p:sp>
-        <p:nvSpPr>
-          <p:cNvPr id="234" name="Google Shape;234;p22"/>
-          <p:cNvSpPr txBox="1"/>
-          <p:nvPr/>
-        </p:nvSpPr>
-        <p:spPr>
-          <a:xfrm>
-            <a:off x="571500" y="5253037"/>
-            <a:ext cx="11049000" cy="304800"/>
-          </a:xfrm>
-          <a:prstGeom prst="rect">
-            <a:avLst/>
-          </a:prstGeom>
-          <a:noFill/>
-          <a:ln>
-            <a:noFill/>
-          </a:ln>
-        </p:spPr>
-        <p:txBody>
-          <a:bodyPr anchorCtr="0" anchor="t" bIns="0" lIns="0" spcFirstLastPara="1" rIns="0" wrap="square" tIns="0">
-            <a:spAutoFit/>
-          </a:bodyPr>
-          <a:lstStyle/>
-          <a:p>
-            <a:pPr indent="0" lvl="0" marL="0" marR="0" rtl="0" algn="ctr">
-              <a:lnSpc>
-                <a:spcPct val="160000"/>
-              </a:lnSpc>
-              <a:spcBef>
-                <a:spcPts val="0"/>
-              </a:spcBef>
-              <a:spcAft>
-                <a:spcPts val="0"/>
-              </a:spcAft>
-              <a:buNone/>
-            </a:pPr>
-            <a:r>
-              <a:rPr b="1" i="0" lang="en-US" sz="1500" u="none" cap="none" strike="noStrike">
-                <a:solidFill>
-                  <a:srgbClr val="EF4444"/>
-                </a:solidFill>
-                <a:latin typeface="Lato"/>
-                <a:ea typeface="Lato"/>
-                <a:cs typeface="Lato"/>
-                <a:sym typeface="Lato"/>
-              </a:rPr>
-              <a:t>Shortfall: -$2,410,895</a:t>
-            </a:r>
-            <a:endParaRPr/>
-          </a:p>
-        </p:txBody>
-      </p:sp>
-      <p:sp>
-        <p:nvSpPr>
-          <p:cNvPr id="235" name="Google Shape;235;p22"/>
+          <p:cNvPr id="232" name="Google Shape;232;p22"/>
           <p:cNvSpPr txBox="1"/>
           <p:nvPr/>
         </p:nvSpPr>
@@ -11946,7 +12113,19 @@
                 <a:cs typeface="Domine"/>
                 <a:sym typeface="Domine"/>
               </a:rPr>
-              <a:t>Results: Net-to-Estate at Age 85</a:t>
+              <a:t>Case Study: </a:t>
+            </a:r>
+            <a:r>
+              <a:rPr b="1" lang="en-US" sz="3150">
+                <a:solidFill>
+                  <a:srgbClr val="1B365D"/>
+                </a:solidFill>
+                <a:latin typeface="Domine"/>
+                <a:ea typeface="Domine"/>
+                <a:cs typeface="Domine"/>
+                <a:sym typeface="Domine"/>
+              </a:rPr>
+              <a:t>Summary of Results</a:t>
             </a:r>
             <a:endParaRPr b="1"/>
           </a:p>
@@ -11954,14 +12133,14 @@
       </p:sp>
       <p:sp>
         <p:nvSpPr>
-          <p:cNvPr id="236" name="Google Shape;236;p22"/>
+          <p:cNvPr id="233" name="Google Shape;233;p22"/>
           <p:cNvSpPr/>
           <p:nvPr/>
         </p:nvSpPr>
         <p:spPr>
           <a:xfrm>
             <a:off x="571500" y="1171575"/>
-            <a:ext cx="11049000" cy="28575"/>
+            <a:ext cx="11049000" cy="28500"/>
           </a:xfrm>
           <a:prstGeom prst="rect">
             <a:avLst/>
@@ -11992,6 +12171,164 @@
               <a:t/>
             </a:r>
             <a:endParaRPr b="0" i="0" sz="1800" u="none" cap="none" strike="noStrike">
+              <a:solidFill>
+                <a:schemeClr val="dk1"/>
+              </a:solidFill>
+              <a:latin typeface="Calibri"/>
+              <a:ea typeface="Calibri"/>
+              <a:cs typeface="Calibri"/>
+              <a:sym typeface="Calibri"/>
+            </a:endParaRPr>
+          </a:p>
+        </p:txBody>
+      </p:sp>
+      <p:sp>
+        <p:nvSpPr>
+          <p:cNvPr id="234" name="Google Shape;234;p22"/>
+          <p:cNvSpPr txBox="1"/>
+          <p:nvPr/>
+        </p:nvSpPr>
+        <p:spPr>
+          <a:xfrm>
+            <a:off x="655350" y="2729575"/>
+            <a:ext cx="10881300" cy="3386400"/>
+          </a:xfrm>
+          <a:prstGeom prst="rect">
+            <a:avLst/>
+          </a:prstGeom>
+          <a:noFill/>
+          <a:ln>
+            <a:noFill/>
+          </a:ln>
+        </p:spPr>
+        <p:txBody>
+          <a:bodyPr anchorCtr="0" anchor="t" bIns="91425" lIns="91425" spcFirstLastPara="1" rIns="91425" wrap="square" tIns="91425">
+            <a:spAutoFit/>
+          </a:bodyPr>
+          <a:lstStyle/>
+          <a:p>
+            <a:pPr indent="0" lvl="0" marL="0" rtl="0" algn="l">
+              <a:spcBef>
+                <a:spcPts val="0"/>
+              </a:spcBef>
+              <a:spcAft>
+                <a:spcPts val="0"/>
+              </a:spcAft>
+              <a:buNone/>
+            </a:pPr>
+            <a:r>
+              <a:rPr lang="en-US" sz="2600">
+                <a:solidFill>
+                  <a:srgbClr val="334155"/>
+                </a:solidFill>
+                <a:latin typeface="Lato"/>
+                <a:ea typeface="Lato"/>
+                <a:cs typeface="Lato"/>
+                <a:sym typeface="Lato"/>
+              </a:rPr>
+              <a:t>We first solve for a Universal Life design that provides level coverage from inception and for life, intended to precisely deliver the target Net-to-Estate outcome. The required annual premium derived from this becomes the fixed input for the comparison.</a:t>
+            </a:r>
+            <a:br>
+              <a:rPr lang="en-US" sz="2600">
+                <a:solidFill>
+                  <a:srgbClr val="334155"/>
+                </a:solidFill>
+                <a:latin typeface="Lato"/>
+                <a:ea typeface="Lato"/>
+                <a:cs typeface="Lato"/>
+                <a:sym typeface="Lato"/>
+              </a:rPr>
+            </a:br>
+            <a:br>
+              <a:rPr lang="en-US" sz="2600">
+                <a:solidFill>
+                  <a:srgbClr val="334155"/>
+                </a:solidFill>
+                <a:latin typeface="Lato"/>
+                <a:ea typeface="Lato"/>
+                <a:cs typeface="Lato"/>
+                <a:sym typeface="Lato"/>
+              </a:rPr>
+            </a:br>
+            <a:r>
+              <a:rPr lang="en-US" sz="2600">
+                <a:solidFill>
+                  <a:srgbClr val="334155"/>
+                </a:solidFill>
+                <a:latin typeface="Lato"/>
+                <a:ea typeface="Lato"/>
+                <a:cs typeface="Lato"/>
+                <a:sym typeface="Lato"/>
+              </a:rPr>
+              <a:t>The results below reflect after-tax Net-to-Estate outcomes (accounting for CDA credits and taxes), rather than potentially misleading gross values. Both policies have identical premium inputs of ($341,768 × 10).</a:t>
+            </a:r>
+            <a:endParaRPr sz="2600">
+              <a:solidFill>
+                <a:schemeClr val="dk1"/>
+              </a:solidFill>
+              <a:latin typeface="Calibri"/>
+              <a:ea typeface="Calibri"/>
+              <a:cs typeface="Calibri"/>
+              <a:sym typeface="Calibri"/>
+            </a:endParaRPr>
+          </a:p>
+        </p:txBody>
+      </p:sp>
+      <p:sp>
+        <p:nvSpPr>
+          <p:cNvPr id="235" name="Google Shape;235;p22"/>
+          <p:cNvSpPr txBox="1"/>
+          <p:nvPr/>
+        </p:nvSpPr>
+        <p:spPr>
+          <a:xfrm>
+            <a:off x="571500" y="1969125"/>
+            <a:ext cx="11469900" cy="585000"/>
+          </a:xfrm>
+          <a:prstGeom prst="rect">
+            <a:avLst/>
+          </a:prstGeom>
+          <a:noFill/>
+          <a:ln>
+            <a:noFill/>
+          </a:ln>
+        </p:spPr>
+        <p:txBody>
+          <a:bodyPr anchorCtr="0" anchor="t" bIns="91425" lIns="91425" spcFirstLastPara="1" rIns="91425" wrap="square" tIns="91425">
+            <a:spAutoFit/>
+          </a:bodyPr>
+          <a:lstStyle/>
+          <a:p>
+            <a:pPr indent="0" lvl="0" marL="0" rtl="0" algn="l">
+              <a:lnSpc>
+                <a:spcPct val="115000"/>
+              </a:lnSpc>
+              <a:spcBef>
+                <a:spcPts val="0"/>
+              </a:spcBef>
+              <a:spcAft>
+                <a:spcPts val="400"/>
+              </a:spcAft>
+              <a:buClr>
+                <a:schemeClr val="dk1"/>
+              </a:buClr>
+              <a:buSzPts val="1100"/>
+              <a:buFont typeface="Arial"/>
+              <a:buNone/>
+            </a:pPr>
+            <a:r>
+              <a:rPr b="1" lang="en-US" sz="2600">
+                <a:solidFill>
+                  <a:srgbClr val="334155"/>
+                </a:solidFill>
+                <a:latin typeface="Lato"/>
+                <a:ea typeface="Lato"/>
+                <a:cs typeface="Lato"/>
+                <a:sym typeface="Lato"/>
+              </a:rPr>
+              <a:t>⇒ Net-to-Estate = CDA + [ (FV − CDA) × (1 − 48.70%) ] − [ CSV × 26.65%]</a:t>
+            </a:r>
+            <a:endParaRPr b="1" sz="3200">
               <a:solidFill>
                 <a:schemeClr val="dk1"/>
               </a:solidFill>
@@ -12023,7 +12360,7 @@
     </p:bg>
     <p:spTree>
       <p:nvGrpSpPr>
-        <p:cNvPr id="240" name="Shape 240"/>
+        <p:cNvPr id="239" name="Shape 239"/>
         <p:cNvGrpSpPr/>
         <p:nvPr/>
       </p:nvGrpSpPr>
@@ -12037,7 +12374,7 @@
       </p:grpSpPr>
       <p:pic>
         <p:nvPicPr>
-          <p:cNvPr descr="image.png" id="241" name="Google Shape;241;p23"/>
+          <p:cNvPr id="240" name="Google Shape;240;p23" title="ARMFS 2026-02-13 at 1.54.43 PM.jpg"/>
           <p:cNvPicPr preferRelativeResize="0"/>
           <p:nvPr/>
         </p:nvPicPr>
@@ -12050,8 +12387,8 @@
         </p:blipFill>
         <p:spPr>
           <a:xfrm>
-            <a:off x="0" y="0"/>
-            <a:ext cx="12192000" cy="6858000"/>
+            <a:off x="571500" y="1743957"/>
+            <a:ext cx="11049001" cy="4143350"/>
           </a:xfrm>
           <a:prstGeom prst="rect">
             <a:avLst/>
@@ -12060,314 +12397,18 @@
           <a:ln>
             <a:noFill/>
           </a:ln>
-        </p:spPr>
-      </p:pic>
-      <p:pic>
-        <p:nvPicPr>
-          <p:cNvPr descr="image.png" id="242" name="Google Shape;242;p23"/>
-          <p:cNvPicPr preferRelativeResize="0"/>
-          <p:nvPr/>
-        </p:nvPicPr>
-        <p:blipFill rotWithShape="1">
-          <a:blip r:embed="rId4">
-            <a:alphaModFix/>
-          </a:blip>
-          <a:srcRect b="0" l="0" r="0" t="0"/>
-          <a:stretch/>
-        </p:blipFill>
-        <p:spPr>
-          <a:xfrm>
-            <a:off x="571500" y="1581150"/>
-            <a:ext cx="11049000" cy="4876800"/>
-          </a:xfrm>
-          <a:prstGeom prst="rect">
-            <a:avLst/>
-          </a:prstGeom>
-          <a:noFill/>
-          <a:ln>
-            <a:noFill/>
-          </a:ln>
+          <a:effectLst>
+            <a:outerShdw blurRad="342900" rotWithShape="0" algn="bl" dir="8700000" dist="19050">
+              <a:srgbClr val="000000">
+                <a:alpha val="10000"/>
+              </a:srgbClr>
+            </a:outerShdw>
+          </a:effectLst>
         </p:spPr>
       </p:pic>
       <p:sp>
         <p:nvSpPr>
-          <p:cNvPr id="243" name="Google Shape;243;p23"/>
-          <p:cNvSpPr/>
-          <p:nvPr/>
-        </p:nvSpPr>
-        <p:spPr>
-          <a:xfrm>
-            <a:off x="2190750" y="6334125"/>
-            <a:ext cx="190500" cy="38100"/>
-          </a:xfrm>
-          <a:prstGeom prst="rect">
-            <a:avLst/>
-          </a:prstGeom>
-          <a:solidFill>
-            <a:srgbClr val="1B365D"/>
-          </a:solidFill>
-          <a:ln>
-            <a:noFill/>
-          </a:ln>
-        </p:spPr>
-        <p:txBody>
-          <a:bodyPr anchorCtr="0" anchor="ctr" bIns="45700" lIns="91425" spcFirstLastPara="1" rIns="91425" wrap="square" tIns="45700">
-            <a:noAutofit/>
-          </a:bodyPr>
-          <a:lstStyle/>
-          <a:p>
-            <a:pPr indent="0" lvl="0" marL="0" marR="0" rtl="0" algn="ctr">
-              <a:spcBef>
-                <a:spcPts val="0"/>
-              </a:spcBef>
-              <a:spcAft>
-                <a:spcPts val="0"/>
-              </a:spcAft>
-              <a:buNone/>
-            </a:pPr>
-            <a:r>
-              <a:t/>
-            </a:r>
-            <a:endParaRPr b="0" i="0" sz="1800" u="none" cap="none" strike="noStrike">
-              <a:solidFill>
-                <a:schemeClr val="dk1"/>
-              </a:solidFill>
-              <a:latin typeface="Calibri"/>
-              <a:ea typeface="Calibri"/>
-              <a:cs typeface="Calibri"/>
-              <a:sym typeface="Calibri"/>
-            </a:endParaRPr>
-          </a:p>
-        </p:txBody>
-      </p:sp>
-      <p:sp>
-        <p:nvSpPr>
-          <p:cNvPr id="244" name="Google Shape;244;p23"/>
-          <p:cNvSpPr txBox="1"/>
-          <p:nvPr/>
-        </p:nvSpPr>
-        <p:spPr>
-          <a:xfrm>
-            <a:off x="2476500" y="6248400"/>
-            <a:ext cx="2267100" cy="207900"/>
-          </a:xfrm>
-          <a:prstGeom prst="rect">
-            <a:avLst/>
-          </a:prstGeom>
-          <a:noFill/>
-          <a:ln>
-            <a:noFill/>
-          </a:ln>
-        </p:spPr>
-        <p:txBody>
-          <a:bodyPr anchorCtr="0" anchor="t" bIns="0" lIns="0" spcFirstLastPara="1" rIns="0" wrap="square" tIns="0">
-            <a:spAutoFit/>
-          </a:bodyPr>
-          <a:lstStyle/>
-          <a:p>
-            <a:pPr indent="0" lvl="0" marL="0" marR="0" rtl="0" algn="l">
-              <a:spcBef>
-                <a:spcPts val="0"/>
-              </a:spcBef>
-              <a:spcAft>
-                <a:spcPts val="0"/>
-              </a:spcAft>
-              <a:buNone/>
-            </a:pPr>
-            <a:r>
-              <a:rPr b="0" i="0" lang="en-US" sz="1350" u="none" cap="none" strike="noStrike">
-                <a:solidFill>
-                  <a:srgbClr val="1B365D"/>
-                </a:solidFill>
-                <a:latin typeface="Lato"/>
-                <a:ea typeface="Lato"/>
-                <a:cs typeface="Lato"/>
-                <a:sym typeface="Lato"/>
-              </a:rPr>
-              <a:t>Universal Life </a:t>
-            </a:r>
-            <a:r>
-              <a:rPr lang="en-US" sz="1350">
-                <a:solidFill>
-                  <a:srgbClr val="1B365D"/>
-                </a:solidFill>
-                <a:latin typeface="Lato"/>
-                <a:ea typeface="Lato"/>
-                <a:cs typeface="Lato"/>
-                <a:sym typeface="Lato"/>
-              </a:rPr>
-              <a:t>@ 3.95%</a:t>
-            </a:r>
-            <a:endParaRPr/>
-          </a:p>
-        </p:txBody>
-      </p:sp>
-      <p:sp>
-        <p:nvSpPr>
-          <p:cNvPr id="245" name="Google Shape;245;p23"/>
-          <p:cNvSpPr/>
-          <p:nvPr/>
-        </p:nvSpPr>
-        <p:spPr>
-          <a:xfrm>
-            <a:off x="5124450" y="6334125"/>
-            <a:ext cx="190500" cy="38100"/>
-          </a:xfrm>
-          <a:prstGeom prst="rect">
-            <a:avLst/>
-          </a:prstGeom>
-          <a:solidFill>
-            <a:srgbClr val="EF4444"/>
-          </a:solidFill>
-          <a:ln>
-            <a:noFill/>
-          </a:ln>
-        </p:spPr>
-        <p:txBody>
-          <a:bodyPr anchorCtr="0" anchor="ctr" bIns="45700" lIns="91425" spcFirstLastPara="1" rIns="91425" wrap="square" tIns="45700">
-            <a:noAutofit/>
-          </a:bodyPr>
-          <a:lstStyle/>
-          <a:p>
-            <a:pPr indent="0" lvl="0" marL="0" marR="0" rtl="0" algn="ctr">
-              <a:spcBef>
-                <a:spcPts val="0"/>
-              </a:spcBef>
-              <a:spcAft>
-                <a:spcPts val="0"/>
-              </a:spcAft>
-              <a:buNone/>
-            </a:pPr>
-            <a:r>
-              <a:t/>
-            </a:r>
-            <a:endParaRPr b="0" i="0" sz="1800" u="none" cap="none" strike="noStrike">
-              <a:solidFill>
-                <a:schemeClr val="dk1"/>
-              </a:solidFill>
-              <a:latin typeface="Calibri"/>
-              <a:ea typeface="Calibri"/>
-              <a:cs typeface="Calibri"/>
-              <a:sym typeface="Calibri"/>
-            </a:endParaRPr>
-          </a:p>
-        </p:txBody>
-      </p:sp>
-      <p:sp>
-        <p:nvSpPr>
-          <p:cNvPr id="246" name="Google Shape;246;p23"/>
-          <p:cNvSpPr txBox="1"/>
-          <p:nvPr/>
-        </p:nvSpPr>
-        <p:spPr>
-          <a:xfrm>
-            <a:off x="5410200" y="6248400"/>
-            <a:ext cx="2333700" cy="207900"/>
-          </a:xfrm>
-          <a:prstGeom prst="rect">
-            <a:avLst/>
-          </a:prstGeom>
-          <a:noFill/>
-          <a:ln>
-            <a:noFill/>
-          </a:ln>
-        </p:spPr>
-        <p:txBody>
-          <a:bodyPr anchorCtr="0" anchor="t" bIns="0" lIns="0" spcFirstLastPara="1" rIns="0" wrap="square" tIns="0">
-            <a:spAutoFit/>
-          </a:bodyPr>
-          <a:lstStyle/>
-          <a:p>
-            <a:pPr indent="0" lvl="0" marL="0" marR="0" rtl="0" algn="l">
-              <a:spcBef>
-                <a:spcPts val="0"/>
-              </a:spcBef>
-              <a:spcAft>
-                <a:spcPts val="0"/>
-              </a:spcAft>
-              <a:buNone/>
-            </a:pPr>
-            <a:r>
-              <a:rPr b="0" i="0" lang="en-US" sz="1350" u="none" cap="none" strike="noStrike">
-                <a:solidFill>
-                  <a:srgbClr val="1B365D"/>
-                </a:solidFill>
-                <a:latin typeface="Lato"/>
-                <a:ea typeface="Lato"/>
-                <a:cs typeface="Lato"/>
-                <a:sym typeface="Lato"/>
-              </a:rPr>
-              <a:t>Whole Life </a:t>
-            </a:r>
-            <a:r>
-              <a:rPr lang="en-US" sz="1350">
-                <a:solidFill>
-                  <a:srgbClr val="1B365D"/>
-                </a:solidFill>
-                <a:latin typeface="Lato"/>
-                <a:ea typeface="Lato"/>
-                <a:cs typeface="Lato"/>
-                <a:sym typeface="Lato"/>
-              </a:rPr>
-              <a:t>@ 5.25%</a:t>
-            </a:r>
-            <a:endParaRPr/>
-          </a:p>
-        </p:txBody>
-      </p:sp>
-      <p:sp>
-        <p:nvSpPr>
-          <p:cNvPr id="247" name="Google Shape;247;p23"/>
-          <p:cNvSpPr txBox="1"/>
-          <p:nvPr/>
-        </p:nvSpPr>
-        <p:spPr>
-          <a:xfrm>
-            <a:off x="8410575" y="6248400"/>
-            <a:ext cx="2157300" cy="207900"/>
-          </a:xfrm>
-          <a:prstGeom prst="rect">
-            <a:avLst/>
-          </a:prstGeom>
-          <a:noFill/>
-          <a:ln>
-            <a:noFill/>
-          </a:ln>
-        </p:spPr>
-        <p:txBody>
-          <a:bodyPr anchorCtr="0" anchor="t" bIns="0" lIns="0" spcFirstLastPara="1" rIns="0" wrap="square" tIns="0">
-            <a:spAutoFit/>
-          </a:bodyPr>
-          <a:lstStyle/>
-          <a:p>
-            <a:pPr indent="0" lvl="0" marL="0" marR="0" rtl="0" algn="l">
-              <a:spcBef>
-                <a:spcPts val="0"/>
-              </a:spcBef>
-              <a:spcAft>
-                <a:spcPts val="0"/>
-              </a:spcAft>
-              <a:buNone/>
-            </a:pPr>
-            <a:r>
-              <a:rPr b="0" i="0" lang="en-US" sz="1350" u="none" cap="none" strike="noStrike">
-                <a:solidFill>
-                  <a:srgbClr val="1B365D"/>
-                </a:solidFill>
-                <a:latin typeface="Lato"/>
-                <a:ea typeface="Lato"/>
-                <a:cs typeface="Lato"/>
-                <a:sym typeface="Lato"/>
-              </a:rPr>
-              <a:t>$10M Liability Target</a:t>
-            </a:r>
-            <a:endParaRPr/>
-          </a:p>
-        </p:txBody>
-      </p:sp>
-      <p:sp>
-        <p:nvSpPr>
-          <p:cNvPr id="248" name="Google Shape;248;p23"/>
+          <p:cNvPr id="241" name="Google Shape;241;p23"/>
           <p:cNvSpPr txBox="1"/>
           <p:nvPr/>
         </p:nvSpPr>
@@ -12409,7 +12450,19 @@
                 <a:cs typeface="Domine"/>
                 <a:sym typeface="Domine"/>
               </a:rPr>
-              <a:t>Lifetime Net-to-Estate Analysis</a:t>
+              <a:t>Case Study: </a:t>
+            </a:r>
+            <a:r>
+              <a:rPr b="1" lang="en-US" sz="3150">
+                <a:solidFill>
+                  <a:srgbClr val="1B365D"/>
+                </a:solidFill>
+                <a:latin typeface="Domine"/>
+                <a:ea typeface="Domine"/>
+                <a:cs typeface="Domine"/>
+                <a:sym typeface="Domine"/>
+              </a:rPr>
+              <a:t>Level Universal Life</a:t>
             </a:r>
             <a:endParaRPr b="1"/>
           </a:p>
@@ -12417,14 +12470,14 @@
       </p:sp>
       <p:sp>
         <p:nvSpPr>
-          <p:cNvPr id="249" name="Google Shape;249;p23"/>
+          <p:cNvPr id="242" name="Google Shape;242;p23"/>
           <p:cNvSpPr/>
           <p:nvPr/>
         </p:nvSpPr>
         <p:spPr>
           <a:xfrm>
             <a:off x="571500" y="1171575"/>
-            <a:ext cx="11049000" cy="28575"/>
+            <a:ext cx="11049000" cy="28500"/>
           </a:xfrm>
           <a:prstGeom prst="rect">
             <a:avLst/>
@@ -12486,6 +12539,186 @@
     </p:bg>
     <p:spTree>
       <p:nvGrpSpPr>
+        <p:cNvPr id="246" name="Shape 246"/>
+        <p:cNvGrpSpPr/>
+        <p:nvPr/>
+      </p:nvGrpSpPr>
+      <p:grpSpPr>
+        <a:xfrm>
+          <a:off x="0" y="0"/>
+          <a:ext cx="0" cy="0"/>
+          <a:chOff x="0" y="0"/>
+          <a:chExt cx="0" cy="0"/>
+        </a:xfrm>
+      </p:grpSpPr>
+      <p:sp>
+        <p:nvSpPr>
+          <p:cNvPr id="247" name="Google Shape;247;p24"/>
+          <p:cNvSpPr txBox="1"/>
+          <p:nvPr/>
+        </p:nvSpPr>
+        <p:spPr>
+          <a:xfrm>
+            <a:off x="571500" y="571500"/>
+            <a:ext cx="11601600" cy="484800"/>
+          </a:xfrm>
+          <a:prstGeom prst="rect">
+            <a:avLst/>
+          </a:prstGeom>
+          <a:noFill/>
+          <a:ln>
+            <a:noFill/>
+          </a:ln>
+        </p:spPr>
+        <p:txBody>
+          <a:bodyPr anchorCtr="0" anchor="t" bIns="0" lIns="0" spcFirstLastPara="1" rIns="0" wrap="square" tIns="0">
+            <a:spAutoFit/>
+          </a:bodyPr>
+          <a:lstStyle/>
+          <a:p>
+            <a:pPr indent="0" lvl="0" marL="0" marR="0" rtl="0" algn="l">
+              <a:spcBef>
+                <a:spcPts val="0"/>
+              </a:spcBef>
+              <a:spcAft>
+                <a:spcPts val="0"/>
+              </a:spcAft>
+              <a:buNone/>
+            </a:pPr>
+            <a:r>
+              <a:rPr b="1" i="0" lang="en-US" sz="3150" u="none" cap="none" strike="noStrike">
+                <a:solidFill>
+                  <a:srgbClr val="1B365D"/>
+                </a:solidFill>
+                <a:latin typeface="Domine"/>
+                <a:ea typeface="Domine"/>
+                <a:cs typeface="Domine"/>
+                <a:sym typeface="Domine"/>
+              </a:rPr>
+              <a:t>Case Study: </a:t>
+            </a:r>
+            <a:r>
+              <a:rPr b="1" lang="en-US" sz="3150">
+                <a:solidFill>
+                  <a:srgbClr val="1B365D"/>
+                </a:solidFill>
+                <a:latin typeface="Domine"/>
+                <a:ea typeface="Domine"/>
+                <a:cs typeface="Domine"/>
+                <a:sym typeface="Domine"/>
+              </a:rPr>
+              <a:t>Whole Life Par</a:t>
+            </a:r>
+            <a:endParaRPr b="1"/>
+          </a:p>
+        </p:txBody>
+      </p:sp>
+      <p:sp>
+        <p:nvSpPr>
+          <p:cNvPr id="248" name="Google Shape;248;p24"/>
+          <p:cNvSpPr/>
+          <p:nvPr/>
+        </p:nvSpPr>
+        <p:spPr>
+          <a:xfrm>
+            <a:off x="571500" y="1171575"/>
+            <a:ext cx="11049000" cy="28500"/>
+          </a:xfrm>
+          <a:prstGeom prst="rect">
+            <a:avLst/>
+          </a:prstGeom>
+          <a:solidFill>
+            <a:srgbClr val="C5A059"/>
+          </a:solidFill>
+          <a:ln>
+            <a:noFill/>
+          </a:ln>
+        </p:spPr>
+        <p:txBody>
+          <a:bodyPr anchorCtr="0" anchor="ctr" bIns="45700" lIns="91425" spcFirstLastPara="1" rIns="91425" wrap="square" tIns="45700">
+            <a:noAutofit/>
+          </a:bodyPr>
+          <a:lstStyle/>
+          <a:p>
+            <a:pPr indent="0" lvl="0" marL="0" marR="0" rtl="0" algn="ctr">
+              <a:spcBef>
+                <a:spcPts val="0"/>
+              </a:spcBef>
+              <a:spcAft>
+                <a:spcPts val="0"/>
+              </a:spcAft>
+              <a:buNone/>
+            </a:pPr>
+            <a:r>
+              <a:t/>
+            </a:r>
+            <a:endParaRPr b="0" i="0" sz="1800" u="none" cap="none" strike="noStrike">
+              <a:solidFill>
+                <a:schemeClr val="dk1"/>
+              </a:solidFill>
+              <a:latin typeface="Calibri"/>
+              <a:ea typeface="Calibri"/>
+              <a:cs typeface="Calibri"/>
+              <a:sym typeface="Calibri"/>
+            </a:endParaRPr>
+          </a:p>
+        </p:txBody>
+      </p:sp>
+      <p:pic>
+        <p:nvPicPr>
+          <p:cNvPr id="249" name="Google Shape;249;p24" title="ARMFS 2026-02-13 at 1.54.50 PM.jpg"/>
+          <p:cNvPicPr preferRelativeResize="0"/>
+          <p:nvPr/>
+        </p:nvPicPr>
+        <p:blipFill>
+          <a:blip r:embed="rId3">
+            <a:alphaModFix/>
+          </a:blip>
+          <a:stretch>
+            <a:fillRect/>
+          </a:stretch>
+        </p:blipFill>
+        <p:spPr>
+          <a:xfrm>
+            <a:off x="571500" y="1720492"/>
+            <a:ext cx="11049001" cy="4154158"/>
+          </a:xfrm>
+          <a:prstGeom prst="rect">
+            <a:avLst/>
+          </a:prstGeom>
+          <a:noFill/>
+          <a:ln>
+            <a:noFill/>
+          </a:ln>
+          <a:effectLst>
+            <a:outerShdw blurRad="342900" rotWithShape="0" algn="bl" dir="8700000" dist="19050">
+              <a:srgbClr val="000000">
+                <a:alpha val="10000"/>
+              </a:srgbClr>
+            </a:outerShdw>
+          </a:effectLst>
+        </p:spPr>
+      </p:pic>
+    </p:spTree>
+  </p:cSld>
+  <p:clrMapOvr>
+    <a:masterClrMapping/>
+  </p:clrMapOvr>
+</p:sld>
+</file>
+
+<file path=ppt/slides/slide13.xml><?xml version="1.0" encoding="utf-8"?>
+<p:sld xmlns:a="http://schemas.openxmlformats.org/drawingml/2006/main" xmlns:r="http://schemas.openxmlformats.org/officeDocument/2006/relationships" xmlns:mc="http://schemas.openxmlformats.org/markup-compatibility/2006" xmlns:mv="urn:schemas-microsoft-com:mac:vml" xmlns:p="http://schemas.openxmlformats.org/presentationml/2006/main" xmlns:c="http://schemas.openxmlformats.org/drawingml/2006/chart" xmlns:dgm="http://schemas.openxmlformats.org/drawingml/2006/diagram" xmlns:o="urn:schemas-microsoft-com:office:office" xmlns:v="urn:schemas-microsoft-com:vml" xmlns:pvml="urn:schemas-microsoft-com:office:powerpoint" xmlns:com="http://schemas.openxmlformats.org/drawingml/2006/compatibility" xmlns:p14="http://schemas.microsoft.com/office/powerpoint/2010/main" xmlns:p15="http://schemas.microsoft.com/office/powerpoint/2012/main" xmlns:ahyp="http://schemas.microsoft.com/office/drawing/2018/hyperlinkcolor">
+  <p:cSld>
+    <p:bg>
+      <p:bgPr>
+        <a:solidFill>
+          <a:srgbClr val="FDFBF7"/>
+        </a:solidFill>
+      </p:bgPr>
+    </p:bg>
+    <p:spTree>
+      <p:nvGrpSpPr>
         <p:cNvPr id="253" name="Shape 253"/>
         <p:cNvGrpSpPr/>
         <p:nvPr/>
@@ -12500,7 +12733,7 @@
       </p:grpSpPr>
       <p:pic>
         <p:nvPicPr>
-          <p:cNvPr descr="image.png" id="254" name="Google Shape;254;p24"/>
+          <p:cNvPr descr="image.png" id="254" name="Google Shape;254;p25"/>
           <p:cNvPicPr preferRelativeResize="0"/>
           <p:nvPr/>
         </p:nvPicPr>
@@ -12527,7 +12760,7 @@
       </p:pic>
       <p:pic>
         <p:nvPicPr>
-          <p:cNvPr descr="image.png" id="255" name="Google Shape;255;p24"/>
+          <p:cNvPr descr="image.png" id="255" name="Google Shape;255;p25"/>
           <p:cNvPicPr preferRelativeResize="0"/>
           <p:nvPr/>
         </p:nvPicPr>
@@ -12540,8 +12773,8 @@
         </p:blipFill>
         <p:spPr>
           <a:xfrm>
-            <a:off x="6381750" y="2028825"/>
-            <a:ext cx="5238750" cy="3810000"/>
+            <a:off x="571500" y="1581150"/>
+            <a:ext cx="11049000" cy="4705350"/>
           </a:xfrm>
           <a:prstGeom prst="rect">
             <a:avLst/>
@@ -12554,7 +12787,763 @@
       </p:pic>
       <p:sp>
         <p:nvSpPr>
-          <p:cNvPr id="256" name="Google Shape;256;p24"/>
+          <p:cNvPr id="256" name="Google Shape;256;p25"/>
+          <p:cNvSpPr txBox="1"/>
+          <p:nvPr/>
+        </p:nvSpPr>
+        <p:spPr>
+          <a:xfrm>
+            <a:off x="571500" y="2357437"/>
+            <a:ext cx="11049000" cy="609600"/>
+          </a:xfrm>
+          <a:prstGeom prst="rect">
+            <a:avLst/>
+          </a:prstGeom>
+          <a:noFill/>
+          <a:ln>
+            <a:noFill/>
+          </a:ln>
+        </p:spPr>
+        <p:txBody>
+          <a:bodyPr anchorCtr="0" anchor="t" bIns="0" lIns="0" spcFirstLastPara="1" rIns="0" wrap="square" tIns="0">
+            <a:spAutoFit/>
+          </a:bodyPr>
+          <a:lstStyle/>
+          <a:p>
+            <a:pPr indent="0" lvl="0" marL="0" marR="0" rtl="0" algn="l">
+              <a:lnSpc>
+                <a:spcPct val="160000"/>
+              </a:lnSpc>
+              <a:spcBef>
+                <a:spcPts val="0"/>
+              </a:spcBef>
+              <a:spcAft>
+                <a:spcPts val="0"/>
+              </a:spcAft>
+              <a:buNone/>
+            </a:pPr>
+            <a:r>
+              <a:rPr b="0" i="0" lang="en-US" sz="1500" u="none" cap="none" strike="noStrike">
+                <a:solidFill>
+                  <a:srgbClr val="334155"/>
+                </a:solidFill>
+                <a:latin typeface="Lato"/>
+                <a:ea typeface="Lato"/>
+                <a:cs typeface="Lato"/>
+                <a:sym typeface="Lato"/>
+              </a:rPr>
+              <a:t>With identical funding ($341,768/yr for 10 years), Universal Life meets the target. Whole Life falls significantly short due to structural inefficiency.</a:t>
+            </a:r>
+            <a:endParaRPr/>
+          </a:p>
+        </p:txBody>
+      </p:sp>
+      <p:sp>
+        <p:nvSpPr>
+          <p:cNvPr id="257" name="Google Shape;257;p25"/>
+          <p:cNvSpPr txBox="1"/>
+          <p:nvPr/>
+        </p:nvSpPr>
+        <p:spPr>
+          <a:xfrm>
+            <a:off x="571500" y="5253037"/>
+            <a:ext cx="11049000" cy="304800"/>
+          </a:xfrm>
+          <a:prstGeom prst="rect">
+            <a:avLst/>
+          </a:prstGeom>
+          <a:noFill/>
+          <a:ln>
+            <a:noFill/>
+          </a:ln>
+        </p:spPr>
+        <p:txBody>
+          <a:bodyPr anchorCtr="0" anchor="t" bIns="0" lIns="0" spcFirstLastPara="1" rIns="0" wrap="square" tIns="0">
+            <a:spAutoFit/>
+          </a:bodyPr>
+          <a:lstStyle/>
+          <a:p>
+            <a:pPr indent="0" lvl="0" marL="0" marR="0" rtl="0" algn="ctr">
+              <a:lnSpc>
+                <a:spcPct val="160000"/>
+              </a:lnSpc>
+              <a:spcBef>
+                <a:spcPts val="0"/>
+              </a:spcBef>
+              <a:spcAft>
+                <a:spcPts val="0"/>
+              </a:spcAft>
+              <a:buNone/>
+            </a:pPr>
+            <a:r>
+              <a:rPr b="1" i="0" lang="en-US" sz="1500" u="none" cap="none" strike="noStrike">
+                <a:solidFill>
+                  <a:srgbClr val="EF4444"/>
+                </a:solidFill>
+                <a:latin typeface="Lato"/>
+                <a:ea typeface="Lato"/>
+                <a:cs typeface="Lato"/>
+                <a:sym typeface="Lato"/>
+              </a:rPr>
+              <a:t>Shortfall: -$2,410,895</a:t>
+            </a:r>
+            <a:endParaRPr/>
+          </a:p>
+        </p:txBody>
+      </p:sp>
+      <p:sp>
+        <p:nvSpPr>
+          <p:cNvPr id="258" name="Google Shape;258;p25"/>
+          <p:cNvSpPr txBox="1"/>
+          <p:nvPr/>
+        </p:nvSpPr>
+        <p:spPr>
+          <a:xfrm>
+            <a:off x="571500" y="571500"/>
+            <a:ext cx="11601600" cy="484800"/>
+          </a:xfrm>
+          <a:prstGeom prst="rect">
+            <a:avLst/>
+          </a:prstGeom>
+          <a:noFill/>
+          <a:ln>
+            <a:noFill/>
+          </a:ln>
+        </p:spPr>
+        <p:txBody>
+          <a:bodyPr anchorCtr="0" anchor="t" bIns="0" lIns="0" spcFirstLastPara="1" rIns="0" wrap="square" tIns="0">
+            <a:spAutoFit/>
+          </a:bodyPr>
+          <a:lstStyle/>
+          <a:p>
+            <a:pPr indent="0" lvl="0" marL="0" marR="0" rtl="0" algn="l">
+              <a:spcBef>
+                <a:spcPts val="0"/>
+              </a:spcBef>
+              <a:spcAft>
+                <a:spcPts val="0"/>
+              </a:spcAft>
+              <a:buNone/>
+            </a:pPr>
+            <a:r>
+              <a:rPr b="1" i="0" lang="en-US" sz="3150" u="none" cap="none" strike="noStrike">
+                <a:solidFill>
+                  <a:srgbClr val="1B365D"/>
+                </a:solidFill>
+                <a:latin typeface="Domine"/>
+                <a:ea typeface="Domine"/>
+                <a:cs typeface="Domine"/>
+                <a:sym typeface="Domine"/>
+              </a:rPr>
+              <a:t>Results: Net-to-Estate at Age 85</a:t>
+            </a:r>
+            <a:endParaRPr b="1"/>
+          </a:p>
+        </p:txBody>
+      </p:sp>
+      <p:sp>
+        <p:nvSpPr>
+          <p:cNvPr id="259" name="Google Shape;259;p25"/>
+          <p:cNvSpPr/>
+          <p:nvPr/>
+        </p:nvSpPr>
+        <p:spPr>
+          <a:xfrm>
+            <a:off x="571500" y="1171575"/>
+            <a:ext cx="11049000" cy="28575"/>
+          </a:xfrm>
+          <a:prstGeom prst="rect">
+            <a:avLst/>
+          </a:prstGeom>
+          <a:solidFill>
+            <a:srgbClr val="C5A059"/>
+          </a:solidFill>
+          <a:ln>
+            <a:noFill/>
+          </a:ln>
+        </p:spPr>
+        <p:txBody>
+          <a:bodyPr anchorCtr="0" anchor="ctr" bIns="45700" lIns="91425" spcFirstLastPara="1" rIns="91425" wrap="square" tIns="45700">
+            <a:noAutofit/>
+          </a:bodyPr>
+          <a:lstStyle/>
+          <a:p>
+            <a:pPr indent="0" lvl="0" marL="0" marR="0" rtl="0" algn="ctr">
+              <a:spcBef>
+                <a:spcPts val="0"/>
+              </a:spcBef>
+              <a:spcAft>
+                <a:spcPts val="0"/>
+              </a:spcAft>
+              <a:buNone/>
+            </a:pPr>
+            <a:r>
+              <a:t/>
+            </a:r>
+            <a:endParaRPr b="0" i="0" sz="1800" u="none" cap="none" strike="noStrike">
+              <a:solidFill>
+                <a:schemeClr val="dk1"/>
+              </a:solidFill>
+              <a:latin typeface="Calibri"/>
+              <a:ea typeface="Calibri"/>
+              <a:cs typeface="Calibri"/>
+              <a:sym typeface="Calibri"/>
+            </a:endParaRPr>
+          </a:p>
+        </p:txBody>
+      </p:sp>
+    </p:spTree>
+  </p:cSld>
+  <p:clrMapOvr>
+    <a:masterClrMapping/>
+  </p:clrMapOvr>
+</p:sld>
+</file>
+
+<file path=ppt/slides/slide14.xml><?xml version="1.0" encoding="utf-8"?>
+<p:sld xmlns:a="http://schemas.openxmlformats.org/drawingml/2006/main" xmlns:r="http://schemas.openxmlformats.org/officeDocument/2006/relationships" xmlns:mc="http://schemas.openxmlformats.org/markup-compatibility/2006" xmlns:mv="urn:schemas-microsoft-com:mac:vml" xmlns:p="http://schemas.openxmlformats.org/presentationml/2006/main" xmlns:c="http://schemas.openxmlformats.org/drawingml/2006/chart" xmlns:dgm="http://schemas.openxmlformats.org/drawingml/2006/diagram" xmlns:o="urn:schemas-microsoft-com:office:office" xmlns:v="urn:schemas-microsoft-com:vml" xmlns:pvml="urn:schemas-microsoft-com:office:powerpoint" xmlns:com="http://schemas.openxmlformats.org/drawingml/2006/compatibility" xmlns:p14="http://schemas.microsoft.com/office/powerpoint/2010/main" xmlns:p15="http://schemas.microsoft.com/office/powerpoint/2012/main" xmlns:ahyp="http://schemas.microsoft.com/office/drawing/2018/hyperlinkcolor">
+  <p:cSld>
+    <p:bg>
+      <p:bgPr>
+        <a:solidFill>
+          <a:srgbClr val="FDFBF7"/>
+        </a:solidFill>
+      </p:bgPr>
+    </p:bg>
+    <p:spTree>
+      <p:nvGrpSpPr>
+        <p:cNvPr id="263" name="Shape 263"/>
+        <p:cNvGrpSpPr/>
+        <p:nvPr/>
+      </p:nvGrpSpPr>
+      <p:grpSpPr>
+        <a:xfrm>
+          <a:off x="0" y="0"/>
+          <a:ext cx="0" cy="0"/>
+          <a:chOff x="0" y="0"/>
+          <a:chExt cx="0" cy="0"/>
+        </a:xfrm>
+      </p:grpSpPr>
+      <p:pic>
+        <p:nvPicPr>
+          <p:cNvPr descr="image.png" id="264" name="Google Shape;264;p26"/>
+          <p:cNvPicPr preferRelativeResize="0"/>
+          <p:nvPr/>
+        </p:nvPicPr>
+        <p:blipFill rotWithShape="1">
+          <a:blip r:embed="rId3">
+            <a:alphaModFix/>
+          </a:blip>
+          <a:srcRect b="0" l="0" r="0" t="0"/>
+          <a:stretch/>
+        </p:blipFill>
+        <p:spPr>
+          <a:xfrm>
+            <a:off x="0" y="0"/>
+            <a:ext cx="12192000" cy="6858000"/>
+          </a:xfrm>
+          <a:prstGeom prst="rect">
+            <a:avLst/>
+          </a:prstGeom>
+          <a:noFill/>
+          <a:ln>
+            <a:noFill/>
+          </a:ln>
+        </p:spPr>
+      </p:pic>
+      <p:pic>
+        <p:nvPicPr>
+          <p:cNvPr descr="image.png" id="265" name="Google Shape;265;p26"/>
+          <p:cNvPicPr preferRelativeResize="0"/>
+          <p:nvPr/>
+        </p:nvPicPr>
+        <p:blipFill rotWithShape="1">
+          <a:blip r:embed="rId4">
+            <a:alphaModFix/>
+          </a:blip>
+          <a:srcRect b="0" l="0" r="0" t="0"/>
+          <a:stretch/>
+        </p:blipFill>
+        <p:spPr>
+          <a:xfrm>
+            <a:off x="571500" y="1581150"/>
+            <a:ext cx="11049000" cy="4876800"/>
+          </a:xfrm>
+          <a:prstGeom prst="rect">
+            <a:avLst/>
+          </a:prstGeom>
+          <a:noFill/>
+          <a:ln>
+            <a:noFill/>
+          </a:ln>
+        </p:spPr>
+      </p:pic>
+      <p:sp>
+        <p:nvSpPr>
+          <p:cNvPr id="266" name="Google Shape;266;p26"/>
+          <p:cNvSpPr/>
+          <p:nvPr/>
+        </p:nvSpPr>
+        <p:spPr>
+          <a:xfrm>
+            <a:off x="2190750" y="6334125"/>
+            <a:ext cx="190500" cy="38100"/>
+          </a:xfrm>
+          <a:prstGeom prst="rect">
+            <a:avLst/>
+          </a:prstGeom>
+          <a:solidFill>
+            <a:srgbClr val="1B365D"/>
+          </a:solidFill>
+          <a:ln>
+            <a:noFill/>
+          </a:ln>
+        </p:spPr>
+        <p:txBody>
+          <a:bodyPr anchorCtr="0" anchor="ctr" bIns="45700" lIns="91425" spcFirstLastPara="1" rIns="91425" wrap="square" tIns="45700">
+            <a:noAutofit/>
+          </a:bodyPr>
+          <a:lstStyle/>
+          <a:p>
+            <a:pPr indent="0" lvl="0" marL="0" marR="0" rtl="0" algn="ctr">
+              <a:spcBef>
+                <a:spcPts val="0"/>
+              </a:spcBef>
+              <a:spcAft>
+                <a:spcPts val="0"/>
+              </a:spcAft>
+              <a:buNone/>
+            </a:pPr>
+            <a:r>
+              <a:t/>
+            </a:r>
+            <a:endParaRPr b="0" i="0" sz="1800" u="none" cap="none" strike="noStrike">
+              <a:solidFill>
+                <a:schemeClr val="dk1"/>
+              </a:solidFill>
+              <a:latin typeface="Calibri"/>
+              <a:ea typeface="Calibri"/>
+              <a:cs typeface="Calibri"/>
+              <a:sym typeface="Calibri"/>
+            </a:endParaRPr>
+          </a:p>
+        </p:txBody>
+      </p:sp>
+      <p:sp>
+        <p:nvSpPr>
+          <p:cNvPr id="267" name="Google Shape;267;p26"/>
+          <p:cNvSpPr txBox="1"/>
+          <p:nvPr/>
+        </p:nvSpPr>
+        <p:spPr>
+          <a:xfrm>
+            <a:off x="2476500" y="6248400"/>
+            <a:ext cx="2267100" cy="207900"/>
+          </a:xfrm>
+          <a:prstGeom prst="rect">
+            <a:avLst/>
+          </a:prstGeom>
+          <a:noFill/>
+          <a:ln>
+            <a:noFill/>
+          </a:ln>
+        </p:spPr>
+        <p:txBody>
+          <a:bodyPr anchorCtr="0" anchor="t" bIns="0" lIns="0" spcFirstLastPara="1" rIns="0" wrap="square" tIns="0">
+            <a:spAutoFit/>
+          </a:bodyPr>
+          <a:lstStyle/>
+          <a:p>
+            <a:pPr indent="0" lvl="0" marL="0" marR="0" rtl="0" algn="l">
+              <a:spcBef>
+                <a:spcPts val="0"/>
+              </a:spcBef>
+              <a:spcAft>
+                <a:spcPts val="0"/>
+              </a:spcAft>
+              <a:buNone/>
+            </a:pPr>
+            <a:r>
+              <a:rPr b="0" i="0" lang="en-US" sz="1350" u="none" cap="none" strike="noStrike">
+                <a:solidFill>
+                  <a:srgbClr val="1B365D"/>
+                </a:solidFill>
+                <a:latin typeface="Lato"/>
+                <a:ea typeface="Lato"/>
+                <a:cs typeface="Lato"/>
+                <a:sym typeface="Lato"/>
+              </a:rPr>
+              <a:t>Universal Life </a:t>
+            </a:r>
+            <a:r>
+              <a:rPr lang="en-US" sz="1350">
+                <a:solidFill>
+                  <a:srgbClr val="1B365D"/>
+                </a:solidFill>
+                <a:latin typeface="Lato"/>
+                <a:ea typeface="Lato"/>
+                <a:cs typeface="Lato"/>
+                <a:sym typeface="Lato"/>
+              </a:rPr>
+              <a:t>@ 3.95%</a:t>
+            </a:r>
+            <a:endParaRPr/>
+          </a:p>
+        </p:txBody>
+      </p:sp>
+      <p:sp>
+        <p:nvSpPr>
+          <p:cNvPr id="268" name="Google Shape;268;p26"/>
+          <p:cNvSpPr/>
+          <p:nvPr/>
+        </p:nvSpPr>
+        <p:spPr>
+          <a:xfrm>
+            <a:off x="5124450" y="6334125"/>
+            <a:ext cx="190500" cy="38100"/>
+          </a:xfrm>
+          <a:prstGeom prst="rect">
+            <a:avLst/>
+          </a:prstGeom>
+          <a:solidFill>
+            <a:srgbClr val="EF4444"/>
+          </a:solidFill>
+          <a:ln>
+            <a:noFill/>
+          </a:ln>
+        </p:spPr>
+        <p:txBody>
+          <a:bodyPr anchorCtr="0" anchor="ctr" bIns="45700" lIns="91425" spcFirstLastPara="1" rIns="91425" wrap="square" tIns="45700">
+            <a:noAutofit/>
+          </a:bodyPr>
+          <a:lstStyle/>
+          <a:p>
+            <a:pPr indent="0" lvl="0" marL="0" marR="0" rtl="0" algn="ctr">
+              <a:spcBef>
+                <a:spcPts val="0"/>
+              </a:spcBef>
+              <a:spcAft>
+                <a:spcPts val="0"/>
+              </a:spcAft>
+              <a:buNone/>
+            </a:pPr>
+            <a:r>
+              <a:t/>
+            </a:r>
+            <a:endParaRPr b="0" i="0" sz="1800" u="none" cap="none" strike="noStrike">
+              <a:solidFill>
+                <a:schemeClr val="dk1"/>
+              </a:solidFill>
+              <a:latin typeface="Calibri"/>
+              <a:ea typeface="Calibri"/>
+              <a:cs typeface="Calibri"/>
+              <a:sym typeface="Calibri"/>
+            </a:endParaRPr>
+          </a:p>
+        </p:txBody>
+      </p:sp>
+      <p:sp>
+        <p:nvSpPr>
+          <p:cNvPr id="269" name="Google Shape;269;p26"/>
+          <p:cNvSpPr txBox="1"/>
+          <p:nvPr/>
+        </p:nvSpPr>
+        <p:spPr>
+          <a:xfrm>
+            <a:off x="5410200" y="6248400"/>
+            <a:ext cx="2333700" cy="207900"/>
+          </a:xfrm>
+          <a:prstGeom prst="rect">
+            <a:avLst/>
+          </a:prstGeom>
+          <a:noFill/>
+          <a:ln>
+            <a:noFill/>
+          </a:ln>
+        </p:spPr>
+        <p:txBody>
+          <a:bodyPr anchorCtr="0" anchor="t" bIns="0" lIns="0" spcFirstLastPara="1" rIns="0" wrap="square" tIns="0">
+            <a:spAutoFit/>
+          </a:bodyPr>
+          <a:lstStyle/>
+          <a:p>
+            <a:pPr indent="0" lvl="0" marL="0" marR="0" rtl="0" algn="l">
+              <a:spcBef>
+                <a:spcPts val="0"/>
+              </a:spcBef>
+              <a:spcAft>
+                <a:spcPts val="0"/>
+              </a:spcAft>
+              <a:buNone/>
+            </a:pPr>
+            <a:r>
+              <a:rPr b="0" i="0" lang="en-US" sz="1350" u="none" cap="none" strike="noStrike">
+                <a:solidFill>
+                  <a:srgbClr val="1B365D"/>
+                </a:solidFill>
+                <a:latin typeface="Lato"/>
+                <a:ea typeface="Lato"/>
+                <a:cs typeface="Lato"/>
+                <a:sym typeface="Lato"/>
+              </a:rPr>
+              <a:t>Whole Life </a:t>
+            </a:r>
+            <a:r>
+              <a:rPr lang="en-US" sz="1350">
+                <a:solidFill>
+                  <a:srgbClr val="1B365D"/>
+                </a:solidFill>
+                <a:latin typeface="Lato"/>
+                <a:ea typeface="Lato"/>
+                <a:cs typeface="Lato"/>
+                <a:sym typeface="Lato"/>
+              </a:rPr>
+              <a:t>@ 5.25%</a:t>
+            </a:r>
+            <a:endParaRPr/>
+          </a:p>
+        </p:txBody>
+      </p:sp>
+      <p:sp>
+        <p:nvSpPr>
+          <p:cNvPr id="270" name="Google Shape;270;p26"/>
+          <p:cNvSpPr txBox="1"/>
+          <p:nvPr/>
+        </p:nvSpPr>
+        <p:spPr>
+          <a:xfrm>
+            <a:off x="8410575" y="6248400"/>
+            <a:ext cx="2157300" cy="207900"/>
+          </a:xfrm>
+          <a:prstGeom prst="rect">
+            <a:avLst/>
+          </a:prstGeom>
+          <a:noFill/>
+          <a:ln>
+            <a:noFill/>
+          </a:ln>
+        </p:spPr>
+        <p:txBody>
+          <a:bodyPr anchorCtr="0" anchor="t" bIns="0" lIns="0" spcFirstLastPara="1" rIns="0" wrap="square" tIns="0">
+            <a:spAutoFit/>
+          </a:bodyPr>
+          <a:lstStyle/>
+          <a:p>
+            <a:pPr indent="0" lvl="0" marL="0" marR="0" rtl="0" algn="l">
+              <a:spcBef>
+                <a:spcPts val="0"/>
+              </a:spcBef>
+              <a:spcAft>
+                <a:spcPts val="0"/>
+              </a:spcAft>
+              <a:buNone/>
+            </a:pPr>
+            <a:r>
+              <a:rPr b="0" i="0" lang="en-US" sz="1350" u="none" cap="none" strike="noStrike">
+                <a:solidFill>
+                  <a:srgbClr val="1B365D"/>
+                </a:solidFill>
+                <a:latin typeface="Lato"/>
+                <a:ea typeface="Lato"/>
+                <a:cs typeface="Lato"/>
+                <a:sym typeface="Lato"/>
+              </a:rPr>
+              <a:t>$10M Liability Target</a:t>
+            </a:r>
+            <a:endParaRPr/>
+          </a:p>
+        </p:txBody>
+      </p:sp>
+      <p:sp>
+        <p:nvSpPr>
+          <p:cNvPr id="271" name="Google Shape;271;p26"/>
+          <p:cNvSpPr txBox="1"/>
+          <p:nvPr/>
+        </p:nvSpPr>
+        <p:spPr>
+          <a:xfrm>
+            <a:off x="571500" y="571500"/>
+            <a:ext cx="11601600" cy="484800"/>
+          </a:xfrm>
+          <a:prstGeom prst="rect">
+            <a:avLst/>
+          </a:prstGeom>
+          <a:noFill/>
+          <a:ln>
+            <a:noFill/>
+          </a:ln>
+        </p:spPr>
+        <p:txBody>
+          <a:bodyPr anchorCtr="0" anchor="t" bIns="0" lIns="0" spcFirstLastPara="1" rIns="0" wrap="square" tIns="0">
+            <a:spAutoFit/>
+          </a:bodyPr>
+          <a:lstStyle/>
+          <a:p>
+            <a:pPr indent="0" lvl="0" marL="0" marR="0" rtl="0" algn="l">
+              <a:spcBef>
+                <a:spcPts val="0"/>
+              </a:spcBef>
+              <a:spcAft>
+                <a:spcPts val="0"/>
+              </a:spcAft>
+              <a:buNone/>
+            </a:pPr>
+            <a:r>
+              <a:rPr b="1" i="0" lang="en-US" sz="3150" u="none" cap="none" strike="noStrike">
+                <a:solidFill>
+                  <a:srgbClr val="1B365D"/>
+                </a:solidFill>
+                <a:latin typeface="Domine"/>
+                <a:ea typeface="Domine"/>
+                <a:cs typeface="Domine"/>
+                <a:sym typeface="Domine"/>
+              </a:rPr>
+              <a:t>Lifetime Net-to-Estate Analysis</a:t>
+            </a:r>
+            <a:endParaRPr b="1"/>
+          </a:p>
+        </p:txBody>
+      </p:sp>
+      <p:sp>
+        <p:nvSpPr>
+          <p:cNvPr id="272" name="Google Shape;272;p26"/>
+          <p:cNvSpPr/>
+          <p:nvPr/>
+        </p:nvSpPr>
+        <p:spPr>
+          <a:xfrm>
+            <a:off x="571500" y="1171575"/>
+            <a:ext cx="11049000" cy="28575"/>
+          </a:xfrm>
+          <a:prstGeom prst="rect">
+            <a:avLst/>
+          </a:prstGeom>
+          <a:solidFill>
+            <a:srgbClr val="C5A059"/>
+          </a:solidFill>
+          <a:ln>
+            <a:noFill/>
+          </a:ln>
+        </p:spPr>
+        <p:txBody>
+          <a:bodyPr anchorCtr="0" anchor="ctr" bIns="45700" lIns="91425" spcFirstLastPara="1" rIns="91425" wrap="square" tIns="45700">
+            <a:noAutofit/>
+          </a:bodyPr>
+          <a:lstStyle/>
+          <a:p>
+            <a:pPr indent="0" lvl="0" marL="0" marR="0" rtl="0" algn="ctr">
+              <a:spcBef>
+                <a:spcPts val="0"/>
+              </a:spcBef>
+              <a:spcAft>
+                <a:spcPts val="0"/>
+              </a:spcAft>
+              <a:buNone/>
+            </a:pPr>
+            <a:r>
+              <a:t/>
+            </a:r>
+            <a:endParaRPr b="0" i="0" sz="1800" u="none" cap="none" strike="noStrike">
+              <a:solidFill>
+                <a:schemeClr val="dk1"/>
+              </a:solidFill>
+              <a:latin typeface="Calibri"/>
+              <a:ea typeface="Calibri"/>
+              <a:cs typeface="Calibri"/>
+              <a:sym typeface="Calibri"/>
+            </a:endParaRPr>
+          </a:p>
+        </p:txBody>
+      </p:sp>
+    </p:spTree>
+  </p:cSld>
+  <p:clrMapOvr>
+    <a:masterClrMapping/>
+  </p:clrMapOvr>
+</p:sld>
+</file>
+
+<file path=ppt/slides/slide15.xml><?xml version="1.0" encoding="utf-8"?>
+<p:sld xmlns:a="http://schemas.openxmlformats.org/drawingml/2006/main" xmlns:r="http://schemas.openxmlformats.org/officeDocument/2006/relationships" xmlns:mc="http://schemas.openxmlformats.org/markup-compatibility/2006" xmlns:mv="urn:schemas-microsoft-com:mac:vml" xmlns:p="http://schemas.openxmlformats.org/presentationml/2006/main" xmlns:c="http://schemas.openxmlformats.org/drawingml/2006/chart" xmlns:dgm="http://schemas.openxmlformats.org/drawingml/2006/diagram" xmlns:o="urn:schemas-microsoft-com:office:office" xmlns:v="urn:schemas-microsoft-com:vml" xmlns:pvml="urn:schemas-microsoft-com:office:powerpoint" xmlns:com="http://schemas.openxmlformats.org/drawingml/2006/compatibility" xmlns:p14="http://schemas.microsoft.com/office/powerpoint/2010/main" xmlns:p15="http://schemas.microsoft.com/office/powerpoint/2012/main" xmlns:ahyp="http://schemas.microsoft.com/office/drawing/2018/hyperlinkcolor">
+  <p:cSld>
+    <p:bg>
+      <p:bgPr>
+        <a:solidFill>
+          <a:srgbClr val="FDFBF7"/>
+        </a:solidFill>
+      </p:bgPr>
+    </p:bg>
+    <p:spTree>
+      <p:nvGrpSpPr>
+        <p:cNvPr id="276" name="Shape 276"/>
+        <p:cNvGrpSpPr/>
+        <p:nvPr/>
+      </p:nvGrpSpPr>
+      <p:grpSpPr>
+        <a:xfrm>
+          <a:off x="0" y="0"/>
+          <a:ext cx="0" cy="0"/>
+          <a:chOff x="0" y="0"/>
+          <a:chExt cx="0" cy="0"/>
+        </a:xfrm>
+      </p:grpSpPr>
+      <p:pic>
+        <p:nvPicPr>
+          <p:cNvPr descr="image.png" id="277" name="Google Shape;277;p27"/>
+          <p:cNvPicPr preferRelativeResize="0"/>
+          <p:nvPr/>
+        </p:nvPicPr>
+        <p:blipFill rotWithShape="1">
+          <a:blip r:embed="rId3">
+            <a:alphaModFix/>
+          </a:blip>
+          <a:srcRect b="0" l="0" r="0" t="0"/>
+          <a:stretch/>
+        </p:blipFill>
+        <p:spPr>
+          <a:xfrm>
+            <a:off x="0" y="0"/>
+            <a:ext cx="12192000" cy="6858000"/>
+          </a:xfrm>
+          <a:prstGeom prst="rect">
+            <a:avLst/>
+          </a:prstGeom>
+          <a:noFill/>
+          <a:ln>
+            <a:noFill/>
+          </a:ln>
+        </p:spPr>
+      </p:pic>
+      <p:pic>
+        <p:nvPicPr>
+          <p:cNvPr descr="image.png" id="278" name="Google Shape;278;p27"/>
+          <p:cNvPicPr preferRelativeResize="0"/>
+          <p:nvPr/>
+        </p:nvPicPr>
+        <p:blipFill rotWithShape="1">
+          <a:blip r:embed="rId4">
+            <a:alphaModFix/>
+          </a:blip>
+          <a:srcRect b="0" l="0" r="0" t="0"/>
+          <a:stretch/>
+        </p:blipFill>
+        <p:spPr>
+          <a:xfrm>
+            <a:off x="6381750" y="2028825"/>
+            <a:ext cx="5238750" cy="3810000"/>
+          </a:xfrm>
+          <a:prstGeom prst="rect">
+            <a:avLst/>
+          </a:prstGeom>
+          <a:noFill/>
+          <a:ln>
+            <a:noFill/>
+          </a:ln>
+        </p:spPr>
+      </p:pic>
+      <p:sp>
+        <p:nvSpPr>
+          <p:cNvPr id="279" name="Google Shape;279;p27"/>
           <p:cNvSpPr txBox="1"/>
           <p:nvPr/>
         </p:nvSpPr>
@@ -12609,7 +13598,7 @@
       </p:sp>
       <p:sp>
         <p:nvSpPr>
-          <p:cNvPr id="257" name="Google Shape;257;p24"/>
+          <p:cNvPr id="280" name="Google Shape;280;p27"/>
           <p:cNvSpPr txBox="1"/>
           <p:nvPr/>
         </p:nvSpPr>
@@ -12662,7 +13651,7 @@
       </p:sp>
       <p:sp>
         <p:nvSpPr>
-          <p:cNvPr id="258" name="Google Shape;258;p24"/>
+          <p:cNvPr id="281" name="Google Shape;281;p27"/>
           <p:cNvSpPr txBox="1"/>
           <p:nvPr/>
         </p:nvSpPr>
@@ -12727,7 +13716,7 @@
       </p:sp>
       <p:sp>
         <p:nvSpPr>
-          <p:cNvPr id="259" name="Google Shape;259;p24"/>
+          <p:cNvPr id="282" name="Google Shape;282;p27"/>
           <p:cNvSpPr txBox="1"/>
           <p:nvPr/>
         </p:nvSpPr>
@@ -12792,7 +13781,7 @@
       </p:sp>
       <p:sp>
         <p:nvSpPr>
-          <p:cNvPr id="260" name="Google Shape;260;p24"/>
+          <p:cNvPr id="283" name="Google Shape;283;p27"/>
           <p:cNvSpPr txBox="1"/>
           <p:nvPr/>
         </p:nvSpPr>
@@ -12842,7 +13831,7 @@
       </p:sp>
       <p:sp>
         <p:nvSpPr>
-          <p:cNvPr id="261" name="Google Shape;261;p24"/>
+          <p:cNvPr id="284" name="Google Shape;284;p27"/>
           <p:cNvSpPr/>
           <p:nvPr/>
         </p:nvSpPr>
@@ -12893,7 +13882,7 @@
       </p:sp>
       <p:pic>
         <p:nvPicPr>
-          <p:cNvPr descr="make it clearer and ounchier" id="262" name="Google Shape;262;p24"/>
+          <p:cNvPr descr="make it clearer and ounchier" id="285" name="Google Shape;285;p27"/>
           <p:cNvPicPr preferRelativeResize="0"/>
           <p:nvPr/>
         </p:nvPicPr>
@@ -12934,7 +13923,7 @@
 </p:sld>
 </file>
 
-<file path=ppt/slides/slide13.xml><?xml version="1.0" encoding="utf-8"?>
+<file path=ppt/slides/slide16.xml><?xml version="1.0" encoding="utf-8"?>
 <p:sld xmlns:a="http://schemas.openxmlformats.org/drawingml/2006/main" xmlns:r="http://schemas.openxmlformats.org/officeDocument/2006/relationships" xmlns:mc="http://schemas.openxmlformats.org/markup-compatibility/2006" xmlns:mv="urn:schemas-microsoft-com:mac:vml" xmlns:p="http://schemas.openxmlformats.org/presentationml/2006/main" xmlns:c="http://schemas.openxmlformats.org/drawingml/2006/chart" xmlns:dgm="http://schemas.openxmlformats.org/drawingml/2006/diagram" xmlns:o="urn:schemas-microsoft-com:office:office" xmlns:v="urn:schemas-microsoft-com:vml" xmlns:pvml="urn:schemas-microsoft-com:office:powerpoint" xmlns:com="http://schemas.openxmlformats.org/drawingml/2006/compatibility" xmlns:p14="http://schemas.microsoft.com/office/powerpoint/2010/main" xmlns:p15="http://schemas.microsoft.com/office/powerpoint/2012/main" xmlns:ahyp="http://schemas.microsoft.com/office/drawing/2018/hyperlinkcolor">
   <p:cSld>
     <p:bg>
@@ -12946,7 +13935,7 @@
     </p:bg>
     <p:spTree>
       <p:nvGrpSpPr>
-        <p:cNvPr id="266" name="Shape 266"/>
+        <p:cNvPr id="289" name="Shape 289"/>
         <p:cNvGrpSpPr/>
         <p:nvPr/>
       </p:nvGrpSpPr>
@@ -12960,7 +13949,7 @@
       </p:grpSpPr>
       <p:pic>
         <p:nvPicPr>
-          <p:cNvPr descr="image.png" id="267" name="Google Shape;267;p25"/>
+          <p:cNvPr descr="image.png" id="290" name="Google Shape;290;p28"/>
           <p:cNvPicPr preferRelativeResize="0"/>
           <p:nvPr/>
         </p:nvPicPr>
@@ -12987,7 +13976,7 @@
       </p:pic>
       <p:sp>
         <p:nvSpPr>
-          <p:cNvPr id="268" name="Google Shape;268;p25"/>
+          <p:cNvPr id="291" name="Google Shape;291;p28"/>
           <p:cNvSpPr txBox="1"/>
           <p:nvPr/>
         </p:nvSpPr>
@@ -13042,7 +14031,7 @@
       </p:sp>
       <p:sp>
         <p:nvSpPr>
-          <p:cNvPr id="269" name="Google Shape;269;p25"/>
+          <p:cNvPr id="292" name="Google Shape;292;p28"/>
           <p:cNvSpPr txBox="1"/>
           <p:nvPr/>
         </p:nvSpPr>
@@ -13095,7 +14084,7 @@
       </p:sp>
       <p:sp>
         <p:nvSpPr>
-          <p:cNvPr id="270" name="Google Shape;270;p25"/>
+          <p:cNvPr id="293" name="Google Shape;293;p28"/>
           <p:cNvSpPr txBox="1"/>
           <p:nvPr/>
         </p:nvSpPr>
@@ -13148,7 +14137,7 @@
       </p:sp>
       <p:sp>
         <p:nvSpPr>
-          <p:cNvPr id="271" name="Google Shape;271;p25"/>
+          <p:cNvPr id="294" name="Google Shape;294;p28"/>
           <p:cNvSpPr txBox="1"/>
           <p:nvPr/>
         </p:nvSpPr>
@@ -16792,7 +17781,7 @@
         <p:spPr>
           <a:xfrm>
             <a:off x="521780" y="3980259"/>
-            <a:ext cx="2088229" cy="209550"/>
+            <a:ext cx="2088300" cy="207900"/>
           </a:xfrm>
           <a:prstGeom prst="rect">
             <a:avLst/>
@@ -16829,7 +17818,7 @@
               </a:rPr>
               <a:t>Benchmark</a:t>
             </a:r>
-            <a:endParaRPr/>
+            <a:endParaRPr b="1"/>
           </a:p>
         </p:txBody>
       </p:sp>
@@ -17424,6 +18413,13 @@
           <a:ln>
             <a:noFill/>
           </a:ln>
+          <a:effectLst>
+            <a:outerShdw blurRad="385763" rotWithShape="0" algn="bl" dir="8700000" dist="161925">
+              <a:srgbClr val="000000">
+                <a:alpha val="20000"/>
+              </a:srgbClr>
+            </a:outerShdw>
+          </a:effectLst>
         </p:spPr>
       </p:pic>
       <p:pic>
@@ -17451,6 +18447,13 @@
           <a:ln>
             <a:noFill/>
           </a:ln>
+          <a:effectLst>
+            <a:outerShdw blurRad="385763" rotWithShape="0" algn="bl" dir="8700000" dist="161925">
+              <a:srgbClr val="000000">
+                <a:alpha val="20000"/>
+              </a:srgbClr>
+            </a:outerShdw>
+          </a:effectLst>
         </p:spPr>
       </p:pic>
       <p:pic>
@@ -17478,6 +18481,13 @@
           <a:ln>
             <a:noFill/>
           </a:ln>
+          <a:effectLst>
+            <a:outerShdw blurRad="385763" rotWithShape="0" algn="bl" dir="8700000" dist="161925">
+              <a:srgbClr val="000000">
+                <a:alpha val="20000"/>
+              </a:srgbClr>
+            </a:outerShdw>
+          </a:effectLst>
         </p:spPr>
       </p:pic>
       <p:pic>
@@ -17505,6 +18515,13 @@
           <a:ln>
             <a:noFill/>
           </a:ln>
+          <a:effectLst>
+            <a:outerShdw blurRad="385763" rotWithShape="0" algn="bl" dir="8700000" dist="161925">
+              <a:srgbClr val="000000">
+                <a:alpha val="20000"/>
+              </a:srgbClr>
+            </a:outerShdw>
+          </a:effectLst>
         </p:spPr>
       </p:pic>
       <p:pic>
@@ -17532,6 +18549,13 @@
           <a:ln>
             <a:noFill/>
           </a:ln>
+          <a:effectLst>
+            <a:outerShdw blurRad="385763" rotWithShape="0" algn="bl" dir="8700000" dist="161925">
+              <a:srgbClr val="000000">
+                <a:alpha val="20000"/>
+              </a:srgbClr>
+            </a:outerShdw>
+          </a:effectLst>
         </p:spPr>
       </p:pic>
     </p:spTree>
